--- a/06-Explore, transform, and load data into the Data Warehouse using Apache Spark.pptx
+++ b/06-Explore, transform, and load data into the Data Warehouse using Apache Spark.pptx
@@ -1070,7 +1070,7 @@
           <a:p>
             <a:fld id="{2B56BDA5-FBCC-43E1-957B-02AF36889AD5}" type="datetimeFigureOut">
               <a:rPr lang="en-US" smtClean="0"/>
-              <a:t>4/3/2022</a:t>
+              <a:t>12/2/2022</a:t>
             </a:fld>
             <a:endParaRPr lang="en-US" dirty="0"/>
           </a:p>
@@ -1247,7 +1247,7 @@
           <a:p>
             <a:fld id="{8F44CDF0-0D54-4AFE-B409-D6358A9BB9A1}" type="datetimeFigureOut">
               <a:rPr lang="en-US" smtClean="0"/>
-              <a:t>4/3/2022</a:t>
+              <a:t>12/2/2022</a:t>
             </a:fld>
             <a:endParaRPr lang="en-US" dirty="0"/>
           </a:p>
@@ -22301,7 +22301,7 @@
           <a:p>
             <a:r>
               <a:rPr lang="en-US" dirty="0"/>
-              <a:t>4</a:t>
+              <a:t>3</a:t>
             </a:r>
           </a:p>
         </p:txBody>
@@ -22903,7 +22903,7 @@
           <a:p>
             <a:r>
               <a:rPr lang="en-US"/>
-              <a:t>LAB 5: </a:t>
+              <a:t>LAB 4: </a:t>
             </a:r>
             <a:r>
               <a:rPr lang="en-GB" dirty="0"/>
@@ -23031,7 +23031,7 @@
             </a:pPr>
             <a:r>
               <a:rPr lang="en-IE" b="0" dirty="0"/>
-              <a:t>Understanding big data engineering with Apache Spark in Azure Synapse Analytics</a:t>
+              <a:t>Ingesting data with Apache Spark notebooks in Azure Synapse Analytics</a:t>
             </a:r>
           </a:p>
           <a:p>
@@ -23039,10 +23039,7 @@
               <a:buFont typeface="Arial" panose="020B0604020202020204" pitchFamily="34" charset="0"/>
               <a:buChar char="•"/>
             </a:pPr>
-            <a:r>
-              <a:rPr lang="en-IE" b="0" dirty="0"/>
-              <a:t>Ingesting data with Apache Spark notebooks in Azure Synapse Analytics</a:t>
-            </a:r>
+            <a:endParaRPr lang="en-IE" b="0" dirty="0"/>
           </a:p>
           <a:p>
             <a:pPr>
@@ -23053,6 +23050,13 @@
               <a:rPr lang="en-IE" b="0" dirty="0"/>
               <a:t>Transforming data with DataFrames in Spark pools in Azure Synapse Analytics</a:t>
             </a:r>
+          </a:p>
+          <a:p>
+            <a:pPr>
+              <a:buFont typeface="Arial" panose="020B0604020202020204" pitchFamily="34" charset="0"/>
+              <a:buChar char="•"/>
+            </a:pPr>
+            <a:endParaRPr lang="en-IE" b="0" dirty="0"/>
           </a:p>
           <a:p>
             <a:pPr>
@@ -23139,7 +23143,7 @@
 </file>
 
 <file path=ppt/slides/slide3.xml><?xml version="1.0" encoding="utf-8"?>
-<p:sld xmlns:a="http://schemas.openxmlformats.org/drawingml/2006/main" xmlns:r="http://schemas.openxmlformats.org/officeDocument/2006/relationships" xmlns:p="http://schemas.openxmlformats.org/presentationml/2006/main">
+<p:sld xmlns:a="http://schemas.openxmlformats.org/drawingml/2006/main" xmlns:r="http://schemas.openxmlformats.org/officeDocument/2006/relationships" xmlns:p="http://schemas.openxmlformats.org/presentationml/2006/main" show="0">
   <p:cSld>
     <p:spTree>
       <p:nvGrpSpPr>
@@ -23262,7 +23266,7 @@
 </file>
 
 <file path=ppt/slides/slide4.xml><?xml version="1.0" encoding="utf-8"?>
-<p:sld xmlns:a="http://schemas.openxmlformats.org/drawingml/2006/main" xmlns:r="http://schemas.openxmlformats.org/officeDocument/2006/relationships" xmlns:p="http://schemas.openxmlformats.org/presentationml/2006/main">
+<p:sld xmlns:a="http://schemas.openxmlformats.org/drawingml/2006/main" xmlns:r="http://schemas.openxmlformats.org/officeDocument/2006/relationships" xmlns:p="http://schemas.openxmlformats.org/presentationml/2006/main" show="0">
   <p:cSld>
     <p:spTree>
       <p:nvGrpSpPr>
@@ -27613,7 +27617,7 @@
 </file>
 
 <file path=ppt/slides/slide5.xml><?xml version="1.0" encoding="utf-8"?>
-<p:sld xmlns:a="http://schemas.openxmlformats.org/drawingml/2006/main" xmlns:r="http://schemas.openxmlformats.org/officeDocument/2006/relationships" xmlns:p="http://schemas.openxmlformats.org/presentationml/2006/main">
+<p:sld xmlns:a="http://schemas.openxmlformats.org/drawingml/2006/main" xmlns:r="http://schemas.openxmlformats.org/officeDocument/2006/relationships" xmlns:p="http://schemas.openxmlformats.org/presentationml/2006/main" show="0">
   <p:cSld>
     <p:spTree>
       <p:nvGrpSpPr>
@@ -27819,7 +27823,7 @@
           <a:p>
             <a:r>
               <a:rPr lang="en-US" dirty="0"/>
-              <a:t>2</a:t>
+              <a:t>1</a:t>
             </a:r>
           </a:p>
         </p:txBody>
@@ -28806,7 +28810,7 @@
           <a:p>
             <a:r>
               <a:rPr lang="en-US" dirty="0"/>
-              <a:t>3</a:t>
+              <a:t>2</a:t>
             </a:r>
           </a:p>
         </p:txBody>

--- a/06-Explore, transform, and load data into the Data Warehouse using Apache Spark.pptx
+++ b/06-Explore, transform, and load data into the Data Warehouse using Apache Spark.pptx
@@ -5,10 +5,10 @@
     <p:sldMasterId id="2147483648" r:id="rId1"/>
   </p:sldMasterIdLst>
   <p:notesMasterIdLst>
-    <p:notesMasterId r:id="rId14"/>
+    <p:notesMasterId r:id="rId15"/>
   </p:notesMasterIdLst>
   <p:handoutMasterIdLst>
-    <p:handoutMasterId r:id="rId15"/>
+    <p:handoutMasterId r:id="rId16"/>
   </p:handoutMasterIdLst>
   <p:sldIdLst>
     <p:sldId id="256" r:id="rId2"/>
@@ -23,6 +23,7 @@
     <p:sldId id="2076137764" r:id="rId11"/>
     <p:sldId id="2076137765" r:id="rId12"/>
     <p:sldId id="424" r:id="rId13"/>
+    <p:sldId id="2134804631" r:id="rId14"/>
   </p:sldIdLst>
   <p:sldSz cx="12192000" cy="6858000"/>
   <p:notesSz cx="6858000" cy="9144000"/>
@@ -1070,7 +1071,7 @@
           <a:p>
             <a:fld id="{2B56BDA5-FBCC-43E1-957B-02AF36889AD5}" type="datetimeFigureOut">
               <a:rPr lang="en-US" smtClean="0"/>
-              <a:t>12/2/2022</a:t>
+              <a:t>12/4/2022</a:t>
             </a:fld>
             <a:endParaRPr lang="en-US" dirty="0"/>
           </a:p>
@@ -1247,7 +1248,7 @@
           <a:p>
             <a:fld id="{8F44CDF0-0D54-4AFE-B409-D6358A9BB9A1}" type="datetimeFigureOut">
               <a:rPr lang="en-US" smtClean="0"/>
-              <a:t>12/2/2022</a:t>
+              <a:t>12/4/2022</a:t>
             </a:fld>
             <a:endParaRPr lang="en-US" dirty="0"/>
           </a:p>
@@ -2320,6 +2321,90 @@
     <p:extLst>
       <p:ext uri="{BB962C8B-B14F-4D97-AF65-F5344CB8AC3E}">
         <p14:creationId xmlns:p14="http://schemas.microsoft.com/office/powerpoint/2010/main" val="1674645597"/>
+      </p:ext>
+    </p:extLst>
+  </p:cSld>
+  <p:clrMapOvr>
+    <a:masterClrMapping/>
+  </p:clrMapOvr>
+</p:notes>
+</file>
+
+<file path=ppt/notesSlides/notesSlide12.xml><?xml version="1.0" encoding="utf-8"?>
+<p:notes xmlns:a="http://schemas.openxmlformats.org/drawingml/2006/main" xmlns:r="http://schemas.openxmlformats.org/officeDocument/2006/relationships" xmlns:p="http://schemas.openxmlformats.org/presentationml/2006/main">
+  <p:cSld>
+    <p:spTree>
+      <p:nvGrpSpPr>
+        <p:cNvPr id="1" name=""/>
+        <p:cNvGrpSpPr/>
+        <p:nvPr/>
+      </p:nvGrpSpPr>
+      <p:grpSpPr>
+        <a:xfrm>
+          <a:off x="0" y="0"/>
+          <a:ext cx="0" cy="0"/>
+          <a:chOff x="0" y="0"/>
+          <a:chExt cx="0" cy="0"/>
+        </a:xfrm>
+      </p:grpSpPr>
+      <p:sp>
+        <p:nvSpPr>
+          <p:cNvPr id="2" name="Slide Image Placeholder 1"/>
+          <p:cNvSpPr>
+            <a:spLocks noGrp="1" noRot="1" noChangeAspect="1"/>
+          </p:cNvSpPr>
+          <p:nvPr>
+            <p:ph type="sldImg"/>
+          </p:nvPr>
+        </p:nvSpPr>
+        <p:spPr/>
+      </p:sp>
+      <p:sp>
+        <p:nvSpPr>
+          <p:cNvPr id="3" name="Notes Placeholder 2"/>
+          <p:cNvSpPr>
+            <a:spLocks noGrp="1"/>
+          </p:cNvSpPr>
+          <p:nvPr>
+            <p:ph type="body" idx="1"/>
+          </p:nvPr>
+        </p:nvSpPr>
+        <p:spPr/>
+        <p:txBody>
+          <a:bodyPr/>
+          <a:lstStyle/>
+          <a:p>
+            <a:endParaRPr lang="en-US" dirty="0"/>
+          </a:p>
+        </p:txBody>
+      </p:sp>
+      <p:sp>
+        <p:nvSpPr>
+          <p:cNvPr id="4" name="Slide Number Placeholder 3"/>
+          <p:cNvSpPr>
+            <a:spLocks noGrp="1"/>
+          </p:cNvSpPr>
+          <p:nvPr>
+            <p:ph type="sldNum" sz="quarter" idx="5"/>
+          </p:nvPr>
+        </p:nvSpPr>
+        <p:spPr/>
+        <p:txBody>
+          <a:bodyPr/>
+          <a:lstStyle/>
+          <a:p>
+            <a:fld id="{37E24C93-78CA-4AF0-9E77-825D60ABA46D}" type="slidenum">
+              <a:rPr lang="en-US" smtClean="0"/>
+              <a:t>13</a:t>
+            </a:fld>
+            <a:endParaRPr lang="en-US"/>
+          </a:p>
+        </p:txBody>
+      </p:sp>
+    </p:spTree>
+    <p:extLst>
+      <p:ext uri="{BB962C8B-B14F-4D97-AF65-F5344CB8AC3E}">
+        <p14:creationId xmlns:p14="http://schemas.microsoft.com/office/powerpoint/2010/main" val="648820541"/>
       </p:ext>
     </p:extLst>
   </p:cSld>
@@ -22950,6 +23035,641 @@
     <p:extLst>
       <p:ext uri="{BB962C8B-B14F-4D97-AF65-F5344CB8AC3E}">
         <p14:creationId xmlns:p14="http://schemas.microsoft.com/office/powerpoint/2010/main" val="86463890"/>
+      </p:ext>
+    </p:extLst>
+  </p:cSld>
+  <p:clrMapOvr>
+    <a:masterClrMapping/>
+  </p:clrMapOvr>
+</p:sld>
+</file>
+
+<file path=ppt/slides/slide13.xml><?xml version="1.0" encoding="utf-8"?>
+<p:sld xmlns:a="http://schemas.openxmlformats.org/drawingml/2006/main" xmlns:r="http://schemas.openxmlformats.org/officeDocument/2006/relationships" xmlns:p="http://schemas.openxmlformats.org/presentationml/2006/main">
+  <p:cSld>
+    <p:spTree>
+      <p:nvGrpSpPr>
+        <p:cNvPr id="1" name=""/>
+        <p:cNvGrpSpPr/>
+        <p:nvPr/>
+      </p:nvGrpSpPr>
+      <p:grpSpPr>
+        <a:xfrm>
+          <a:off x="0" y="0"/>
+          <a:ext cx="0" cy="0"/>
+          <a:chOff x="0" y="0"/>
+          <a:chExt cx="0" cy="0"/>
+        </a:xfrm>
+      </p:grpSpPr>
+      <p:sp>
+        <p:nvSpPr>
+          <p:cNvPr id="7" name="Rectangle 6">
+            <a:extLst>
+              <a:ext uri="{FF2B5EF4-FFF2-40B4-BE49-F238E27FC236}">
+                <a16:creationId xmlns:a16="http://schemas.microsoft.com/office/drawing/2014/main" id="{C7F1A192-7B21-4F6E-BA73-9F45523C2F1C}"/>
+              </a:ext>
+            </a:extLst>
+          </p:cNvPr>
+          <p:cNvSpPr/>
+          <p:nvPr/>
+        </p:nvSpPr>
+        <p:spPr>
+          <a:xfrm>
+            <a:off x="196880" y="415636"/>
+            <a:ext cx="5770783" cy="5480606"/>
+          </a:xfrm>
+          <a:prstGeom prst="rect">
+            <a:avLst/>
+          </a:prstGeom>
+          <a:solidFill>
+            <a:schemeClr val="accent3"/>
+          </a:solidFill>
+          <a:ln>
+            <a:noFill/>
+          </a:ln>
+        </p:spPr>
+        <p:style>
+          <a:lnRef idx="2">
+            <a:schemeClr val="accent1">
+              <a:shade val="50000"/>
+            </a:schemeClr>
+          </a:lnRef>
+          <a:fillRef idx="1">
+            <a:schemeClr val="accent1"/>
+          </a:fillRef>
+          <a:effectRef idx="0">
+            <a:schemeClr val="accent1"/>
+          </a:effectRef>
+          <a:fontRef idx="minor">
+            <a:schemeClr val="lt1"/>
+          </a:fontRef>
+        </p:style>
+        <p:txBody>
+          <a:bodyPr rtlCol="0" anchor="ctr"/>
+          <a:lstStyle/>
+          <a:p>
+            <a:pPr algn="ctr"/>
+            <a:endParaRPr lang="en-US"/>
+          </a:p>
+        </p:txBody>
+      </p:sp>
+      <p:sp>
+        <p:nvSpPr>
+          <p:cNvPr id="2" name="Footer Placeholder 1">
+            <a:extLst>
+              <a:ext uri="{FF2B5EF4-FFF2-40B4-BE49-F238E27FC236}">
+                <a16:creationId xmlns:a16="http://schemas.microsoft.com/office/drawing/2014/main" id="{2B6874AB-14C3-44E9-80FD-CC5DB10A9D8F}"/>
+              </a:ext>
+            </a:extLst>
+          </p:cNvPr>
+          <p:cNvSpPr>
+            <a:spLocks noGrp="1"/>
+          </p:cNvSpPr>
+          <p:nvPr>
+            <p:ph type="ftr" sz="quarter" idx="3"/>
+          </p:nvPr>
+        </p:nvSpPr>
+        <p:spPr/>
+        <p:txBody>
+          <a:bodyPr/>
+          <a:lstStyle/>
+          <a:p>
+            <a:pPr marL="0" marR="0" lvl="0" indent="0" algn="r" defTabSz="914400" rtl="0" eaLnBrk="1" fontAlgn="auto" latinLnBrk="0" hangingPunct="1">
+              <a:lnSpc>
+                <a:spcPct val="100000"/>
+              </a:lnSpc>
+              <a:spcBef>
+                <a:spcPts val="0"/>
+              </a:spcBef>
+              <a:spcAft>
+                <a:spcPts val="0"/>
+              </a:spcAft>
+              <a:buClrTx/>
+              <a:buSzTx/>
+              <a:buFontTx/>
+              <a:buNone/>
+              <a:tabLst/>
+              <a:defRPr/>
+            </a:pPr>
+            <a:r>
+              <a:rPr kumimoji="0" lang="en-US" sz="800" b="1" i="0" u="none" strike="noStrike" kern="1200" cap="none" spc="300" normalizeH="0" baseline="0" noProof="0">
+                <a:ln>
+                  <a:noFill/>
+                </a:ln>
+                <a:solidFill>
+                  <a:srgbClr val="E7E6E6">
+                    <a:lumMod val="90000"/>
+                    <a:alpha val="70000"/>
+                  </a:srgbClr>
+                </a:solidFill>
+                <a:effectLst/>
+                <a:uLnTx/>
+                <a:uFillTx/>
+                <a:latin typeface="Montserrat"/>
+                <a:ea typeface="+mn-ea"/>
+                <a:cs typeface="+mn-cs"/>
+              </a:rPr>
+              <a:t>WWW.SOLLIANCE.NET</a:t>
+            </a:r>
+            <a:endParaRPr kumimoji="0" lang="en-US" sz="800" b="1" i="0" u="none" strike="noStrike" kern="1200" cap="none" spc="300" normalizeH="0" baseline="0" noProof="0" dirty="0">
+              <a:ln>
+                <a:noFill/>
+              </a:ln>
+              <a:solidFill>
+                <a:srgbClr val="E7E6E6">
+                  <a:lumMod val="90000"/>
+                  <a:alpha val="70000"/>
+                </a:srgbClr>
+              </a:solidFill>
+              <a:effectLst/>
+              <a:uLnTx/>
+              <a:uFillTx/>
+              <a:latin typeface="Montserrat"/>
+              <a:ea typeface="+mn-ea"/>
+              <a:cs typeface="+mn-cs"/>
+            </a:endParaRPr>
+          </a:p>
+        </p:txBody>
+      </p:sp>
+      <p:sp>
+        <p:nvSpPr>
+          <p:cNvPr id="3" name="Slide Number Placeholder 2">
+            <a:extLst>
+              <a:ext uri="{FF2B5EF4-FFF2-40B4-BE49-F238E27FC236}">
+                <a16:creationId xmlns:a16="http://schemas.microsoft.com/office/drawing/2014/main" id="{D017DAEE-C656-4C65-A5D2-E48BAEFA9727}"/>
+              </a:ext>
+            </a:extLst>
+          </p:cNvPr>
+          <p:cNvSpPr>
+            <a:spLocks noGrp="1"/>
+          </p:cNvSpPr>
+          <p:nvPr>
+            <p:ph type="sldNum" sz="quarter" idx="4"/>
+          </p:nvPr>
+        </p:nvSpPr>
+        <p:spPr/>
+        <p:txBody>
+          <a:bodyPr/>
+          <a:lstStyle/>
+          <a:p>
+            <a:pPr marL="0" marR="0" lvl="0" indent="0" algn="ctr" defTabSz="914400" rtl="0" eaLnBrk="1" fontAlgn="auto" latinLnBrk="0" hangingPunct="1">
+              <a:lnSpc>
+                <a:spcPct val="100000"/>
+              </a:lnSpc>
+              <a:spcBef>
+                <a:spcPts val="0"/>
+              </a:spcBef>
+              <a:spcAft>
+                <a:spcPts val="0"/>
+              </a:spcAft>
+              <a:buClrTx/>
+              <a:buSzTx/>
+              <a:buFontTx/>
+              <a:buNone/>
+              <a:tabLst/>
+              <a:defRPr/>
+            </a:pPr>
+            <a:fld id="{00F9DAA1-1DF7-43E0-8E29-0CE1148553C7}" type="slidenum">
+              <a:rPr kumimoji="0" lang="en-US" sz="900" b="1" i="0" u="none" strike="noStrike" kern="1200" cap="none" spc="0" normalizeH="0" baseline="0" noProof="0" smtClean="0">
+                <a:ln>
+                  <a:noFill/>
+                </a:ln>
+                <a:solidFill>
+                  <a:srgbClr val="E7E6E6">
+                    <a:lumMod val="90000"/>
+                    <a:alpha val="60000"/>
+                  </a:srgbClr>
+                </a:solidFill>
+                <a:effectLst/>
+                <a:uLnTx/>
+                <a:uFillTx/>
+                <a:latin typeface="Montserrat"/>
+                <a:ea typeface="+mn-ea"/>
+                <a:cs typeface="+mn-cs"/>
+              </a:rPr>
+              <a:pPr marL="0" marR="0" lvl="0" indent="0" algn="ctr" defTabSz="914400" rtl="0" eaLnBrk="1" fontAlgn="auto" latinLnBrk="0" hangingPunct="1">
+                <a:lnSpc>
+                  <a:spcPct val="100000"/>
+                </a:lnSpc>
+                <a:spcBef>
+                  <a:spcPts val="0"/>
+                </a:spcBef>
+                <a:spcAft>
+                  <a:spcPts val="0"/>
+                </a:spcAft>
+                <a:buClrTx/>
+                <a:buSzTx/>
+                <a:buFontTx/>
+                <a:buNone/>
+                <a:tabLst/>
+                <a:defRPr/>
+              </a:pPr>
+              <a:t>13</a:t>
+            </a:fld>
+            <a:endParaRPr kumimoji="0" lang="en-US" sz="900" b="1" i="0" u="none" strike="noStrike" kern="1200" cap="none" spc="0" normalizeH="0" baseline="0" noProof="0" dirty="0">
+              <a:ln>
+                <a:noFill/>
+              </a:ln>
+              <a:solidFill>
+                <a:srgbClr val="E7E6E6">
+                  <a:lumMod val="90000"/>
+                  <a:alpha val="60000"/>
+                </a:srgbClr>
+              </a:solidFill>
+              <a:effectLst/>
+              <a:uLnTx/>
+              <a:uFillTx/>
+              <a:latin typeface="Montserrat"/>
+              <a:ea typeface="+mn-ea"/>
+              <a:cs typeface="+mn-cs"/>
+            </a:endParaRPr>
+          </a:p>
+        </p:txBody>
+      </p:sp>
+      <p:sp>
+        <p:nvSpPr>
+          <p:cNvPr id="5" name="TextBox 4">
+            <a:extLst>
+              <a:ext uri="{FF2B5EF4-FFF2-40B4-BE49-F238E27FC236}">
+                <a16:creationId xmlns:a16="http://schemas.microsoft.com/office/drawing/2014/main" id="{94FB7EED-4B8A-4B65-AB21-02FED0BA5130}"/>
+              </a:ext>
+            </a:extLst>
+          </p:cNvPr>
+          <p:cNvSpPr txBox="1"/>
+          <p:nvPr/>
+        </p:nvSpPr>
+        <p:spPr>
+          <a:xfrm>
+            <a:off x="609004" y="3773179"/>
+            <a:ext cx="4608954" cy="369332"/>
+          </a:xfrm>
+          <a:prstGeom prst="rect">
+            <a:avLst/>
+          </a:prstGeom>
+          <a:noFill/>
+        </p:spPr>
+        <p:txBody>
+          <a:bodyPr wrap="none" rtlCol="0">
+            <a:spAutoFit/>
+          </a:bodyPr>
+          <a:lstStyle/>
+          <a:p>
+            <a:pPr marL="0" marR="0" lvl="0" indent="0" algn="l" defTabSz="914400" rtl="0" eaLnBrk="1" fontAlgn="auto" latinLnBrk="0" hangingPunct="1">
+              <a:lnSpc>
+                <a:spcPct val="100000"/>
+              </a:lnSpc>
+              <a:spcBef>
+                <a:spcPts val="0"/>
+              </a:spcBef>
+              <a:spcAft>
+                <a:spcPts val="0"/>
+              </a:spcAft>
+              <a:buClrTx/>
+              <a:buSzTx/>
+              <a:buFontTx/>
+              <a:buNone/>
+              <a:tabLst/>
+              <a:defRPr/>
+            </a:pPr>
+            <a:r>
+              <a:rPr kumimoji="0" lang="en-US" sz="1800" b="1" i="0" u="none" strike="noStrike" kern="1200" cap="none" spc="0" normalizeH="0" baseline="0" noProof="0" dirty="0">
+                <a:ln>
+                  <a:noFill/>
+                </a:ln>
+                <a:solidFill>
+                  <a:srgbClr val="1A1F20"/>
+                </a:solidFill>
+                <a:effectLst/>
+                <a:uLnTx/>
+                <a:uFillTx/>
+                <a:latin typeface="Montserrat"/>
+                <a:ea typeface="+mn-ea"/>
+                <a:cs typeface="+mn-cs"/>
+              </a:rPr>
+              <a:t>Conference workshop presentations</a:t>
+            </a:r>
+          </a:p>
+        </p:txBody>
+      </p:sp>
+      <p:sp>
+        <p:nvSpPr>
+          <p:cNvPr id="6" name="TextBox 5">
+            <a:extLst>
+              <a:ext uri="{FF2B5EF4-FFF2-40B4-BE49-F238E27FC236}">
+                <a16:creationId xmlns:a16="http://schemas.microsoft.com/office/drawing/2014/main" id="{D6A93C50-D442-4753-8FD1-DD2C0BA6596E}"/>
+              </a:ext>
+            </a:extLst>
+          </p:cNvPr>
+          <p:cNvSpPr txBox="1"/>
+          <p:nvPr/>
+        </p:nvSpPr>
+        <p:spPr>
+          <a:xfrm>
+            <a:off x="8006688" y="3773179"/>
+            <a:ext cx="2345514" cy="369332"/>
+          </a:xfrm>
+          <a:prstGeom prst="rect">
+            <a:avLst/>
+          </a:prstGeom>
+          <a:noFill/>
+        </p:spPr>
+        <p:txBody>
+          <a:bodyPr wrap="none" rtlCol="0">
+            <a:spAutoFit/>
+          </a:bodyPr>
+          <a:lstStyle/>
+          <a:p>
+            <a:pPr marL="0" marR="0" lvl="0" indent="0" algn="l" defTabSz="914400" rtl="0" eaLnBrk="1" fontAlgn="auto" latinLnBrk="0" hangingPunct="1">
+              <a:lnSpc>
+                <a:spcPct val="100000"/>
+              </a:lnSpc>
+              <a:spcBef>
+                <a:spcPts val="0"/>
+              </a:spcBef>
+              <a:spcAft>
+                <a:spcPts val="0"/>
+              </a:spcAft>
+              <a:buClrTx/>
+              <a:buSzTx/>
+              <a:buFontTx/>
+              <a:buNone/>
+              <a:tabLst/>
+              <a:defRPr/>
+            </a:pPr>
+            <a:r>
+              <a:rPr kumimoji="0" lang="en-US" sz="1800" b="1" i="0" u="none" strike="noStrike" kern="1200" cap="none" spc="0" normalizeH="0" baseline="0" noProof="0" dirty="0">
+                <a:ln>
+                  <a:noFill/>
+                </a:ln>
+                <a:solidFill>
+                  <a:srgbClr val="1A1F20"/>
+                </a:solidFill>
+                <a:effectLst/>
+                <a:uLnTx/>
+                <a:uFillTx/>
+                <a:latin typeface="Montserrat"/>
+                <a:ea typeface="+mn-ea"/>
+                <a:cs typeface="+mn-cs"/>
+              </a:rPr>
+              <a:t>Solliance Training</a:t>
+            </a:r>
+          </a:p>
+        </p:txBody>
+      </p:sp>
+      <p:sp>
+        <p:nvSpPr>
+          <p:cNvPr id="11" name="TextBox 10">
+            <a:extLst>
+              <a:ext uri="{FF2B5EF4-FFF2-40B4-BE49-F238E27FC236}">
+                <a16:creationId xmlns:a16="http://schemas.microsoft.com/office/drawing/2014/main" id="{896EB98A-476E-40A9-A745-EA89D27E221A}"/>
+              </a:ext>
+            </a:extLst>
+          </p:cNvPr>
+          <p:cNvSpPr txBox="1"/>
+          <p:nvPr/>
+        </p:nvSpPr>
+        <p:spPr>
+          <a:xfrm>
+            <a:off x="393875" y="4281252"/>
+            <a:ext cx="5376792" cy="369332"/>
+          </a:xfrm>
+          <a:prstGeom prst="rect">
+            <a:avLst/>
+          </a:prstGeom>
+          <a:noFill/>
+        </p:spPr>
+        <p:txBody>
+          <a:bodyPr wrap="square">
+            <a:spAutoFit/>
+          </a:bodyPr>
+          <a:lstStyle/>
+          <a:p>
+            <a:pPr marL="0" marR="0" lvl="0" indent="0" algn="l" defTabSz="914400" rtl="0" eaLnBrk="1" fontAlgn="auto" latinLnBrk="0" hangingPunct="1">
+              <a:lnSpc>
+                <a:spcPct val="100000"/>
+              </a:lnSpc>
+              <a:spcBef>
+                <a:spcPts val="0"/>
+              </a:spcBef>
+              <a:spcAft>
+                <a:spcPts val="0"/>
+              </a:spcAft>
+              <a:buClrTx/>
+              <a:buSzTx/>
+              <a:buFontTx/>
+              <a:buNone/>
+              <a:tabLst/>
+              <a:defRPr/>
+            </a:pPr>
+            <a:r>
+              <a:rPr kumimoji="0" lang="en-US" sz="1800" b="0" i="0" u="none" strike="noStrike" kern="1200" cap="none" spc="0" normalizeH="0" baseline="0" noProof="0" dirty="0">
+                <a:ln>
+                  <a:noFill/>
+                </a:ln>
+                <a:solidFill>
+                  <a:srgbClr val="1A1F20"/>
+                </a:solidFill>
+                <a:effectLst/>
+                <a:uLnTx/>
+                <a:uFillTx/>
+                <a:latin typeface="Montserrat"/>
+                <a:ea typeface="+mn-ea"/>
+                <a:cs typeface="+mn-cs"/>
+              </a:rPr>
+              <a:t>https://aka.solliance.net/azure-de-workshop</a:t>
+            </a:r>
+          </a:p>
+        </p:txBody>
+      </p:sp>
+      <p:sp>
+        <p:nvSpPr>
+          <p:cNvPr id="13" name="TextBox 12">
+            <a:extLst>
+              <a:ext uri="{FF2B5EF4-FFF2-40B4-BE49-F238E27FC236}">
+                <a16:creationId xmlns:a16="http://schemas.microsoft.com/office/drawing/2014/main" id="{F97CC591-EAC5-423A-A04E-D3FC6A83C0A2}"/>
+              </a:ext>
+            </a:extLst>
+          </p:cNvPr>
+          <p:cNvSpPr txBox="1"/>
+          <p:nvPr/>
+        </p:nvSpPr>
+        <p:spPr>
+          <a:xfrm>
+            <a:off x="7547237" y="4282500"/>
+            <a:ext cx="3700334" cy="369332"/>
+          </a:xfrm>
+          <a:prstGeom prst="rect">
+            <a:avLst/>
+          </a:prstGeom>
+          <a:noFill/>
+        </p:spPr>
+        <p:txBody>
+          <a:bodyPr wrap="square">
+            <a:spAutoFit/>
+          </a:bodyPr>
+          <a:lstStyle/>
+          <a:p>
+            <a:pPr marL="0" marR="0" lvl="0" indent="0" algn="l" defTabSz="914400" rtl="0" eaLnBrk="1" fontAlgn="auto" latinLnBrk="0" hangingPunct="1">
+              <a:lnSpc>
+                <a:spcPct val="100000"/>
+              </a:lnSpc>
+              <a:spcBef>
+                <a:spcPts val="0"/>
+              </a:spcBef>
+              <a:spcAft>
+                <a:spcPts val="0"/>
+              </a:spcAft>
+              <a:buClrTx/>
+              <a:buSzTx/>
+              <a:buFontTx/>
+              <a:buNone/>
+              <a:tabLst/>
+              <a:defRPr/>
+            </a:pPr>
+            <a:r>
+              <a:rPr kumimoji="0" lang="en-US" sz="1800" b="0" i="0" u="none" strike="noStrike" kern="1200" cap="none" spc="0" normalizeH="0" baseline="0" noProof="0" dirty="0">
+                <a:ln>
+                  <a:noFill/>
+                </a:ln>
+                <a:solidFill>
+                  <a:srgbClr val="1A1F20"/>
+                </a:solidFill>
+                <a:effectLst/>
+                <a:uLnTx/>
+                <a:uFillTx/>
+                <a:latin typeface="Montserrat"/>
+                <a:ea typeface="+mn-ea"/>
+                <a:cs typeface="+mn-cs"/>
+              </a:rPr>
+              <a:t>https://</a:t>
+            </a:r>
+            <a:r>
+              <a:rPr lang="en-US" dirty="0">
+                <a:solidFill>
+                  <a:srgbClr val="1A1F20"/>
+                </a:solidFill>
+                <a:latin typeface="Montserrat"/>
+              </a:rPr>
+              <a:t>training</a:t>
+            </a:r>
+            <a:r>
+              <a:rPr kumimoji="0" lang="en-US" sz="1800" b="0" i="0" u="none" strike="noStrike" kern="1200" cap="none" spc="0" normalizeH="0" baseline="0" noProof="0" dirty="0">
+                <a:ln>
+                  <a:noFill/>
+                </a:ln>
+                <a:solidFill>
+                  <a:srgbClr val="1A1F20"/>
+                </a:solidFill>
+                <a:effectLst/>
+                <a:uLnTx/>
+                <a:uFillTx/>
+                <a:latin typeface="Montserrat"/>
+                <a:ea typeface="+mn-ea"/>
+                <a:cs typeface="+mn-cs"/>
+              </a:rPr>
+              <a:t>.solliance.net</a:t>
+            </a:r>
+          </a:p>
+        </p:txBody>
+      </p:sp>
+      <p:pic>
+        <p:nvPicPr>
+          <p:cNvPr id="1026" name="Picture 2" descr="QR Code">
+            <a:extLst>
+              <a:ext uri="{FF2B5EF4-FFF2-40B4-BE49-F238E27FC236}">
+                <a16:creationId xmlns:a16="http://schemas.microsoft.com/office/drawing/2014/main" id="{1D7A47C7-C731-4004-AFCD-36240B773698}"/>
+              </a:ext>
+            </a:extLst>
+          </p:cNvPr>
+          <p:cNvPicPr>
+            <a:picLocks noChangeAspect="1" noChangeArrowheads="1"/>
+          </p:cNvPicPr>
+          <p:nvPr/>
+        </p:nvPicPr>
+        <p:blipFill>
+          <a:blip r:embed="rId3">
+            <a:extLst>
+              <a:ext uri="{28A0092B-C50C-407E-A947-70E740481C1C}">
+                <a14:useLocalDpi xmlns:a14="http://schemas.microsoft.com/office/drawing/2010/main" val="0"/>
+              </a:ext>
+            </a:extLst>
+          </a:blip>
+          <a:srcRect/>
+          <a:stretch>
+            <a:fillRect/>
+          </a:stretch>
+        </p:blipFill>
+        <p:spPr bwMode="auto">
+          <a:xfrm>
+            <a:off x="8181583" y="1204651"/>
+            <a:ext cx="1779513" cy="1779513"/>
+          </a:xfrm>
+          <a:prstGeom prst="rect">
+            <a:avLst/>
+          </a:prstGeom>
+          <a:noFill/>
+          <a:extLst>
+            <a:ext uri="{909E8E84-426E-40DD-AFC4-6F175D3DCCD1}">
+              <a14:hiddenFill xmlns:a14="http://schemas.microsoft.com/office/drawing/2010/main">
+                <a:solidFill>
+                  <a:srgbClr val="FFFFFF"/>
+                </a:solidFill>
+              </a14:hiddenFill>
+            </a:ext>
+          </a:extLst>
+        </p:spPr>
+      </p:pic>
+      <p:pic>
+        <p:nvPicPr>
+          <p:cNvPr id="1030" name="Picture 6" descr="QR Code">
+            <a:extLst>
+              <a:ext uri="{FF2B5EF4-FFF2-40B4-BE49-F238E27FC236}">
+                <a16:creationId xmlns:a16="http://schemas.microsoft.com/office/drawing/2014/main" id="{42A41038-8706-4D68-A0D4-111768C73487}"/>
+              </a:ext>
+            </a:extLst>
+          </p:cNvPr>
+          <p:cNvPicPr>
+            <a:picLocks noChangeAspect="1" noChangeArrowheads="1"/>
+          </p:cNvPicPr>
+          <p:nvPr/>
+        </p:nvPicPr>
+        <p:blipFill>
+          <a:blip r:embed="rId4">
+            <a:extLst>
+              <a:ext uri="{28A0092B-C50C-407E-A947-70E740481C1C}">
+                <a14:useLocalDpi xmlns:a14="http://schemas.microsoft.com/office/drawing/2010/main" val="0"/>
+              </a:ext>
+            </a:extLst>
+          </a:blip>
+          <a:srcRect/>
+          <a:stretch>
+            <a:fillRect/>
+          </a:stretch>
+        </p:blipFill>
+        <p:spPr bwMode="auto">
+          <a:xfrm>
+            <a:off x="2023725" y="1204651"/>
+            <a:ext cx="1779513" cy="1779513"/>
+          </a:xfrm>
+          <a:prstGeom prst="rect">
+            <a:avLst/>
+          </a:prstGeom>
+          <a:noFill/>
+          <a:extLst>
+            <a:ext uri="{909E8E84-426E-40DD-AFC4-6F175D3DCCD1}">
+              <a14:hiddenFill xmlns:a14="http://schemas.microsoft.com/office/drawing/2010/main">
+                <a:solidFill>
+                  <a:srgbClr val="FFFFFF"/>
+                </a:solidFill>
+              </a14:hiddenFill>
+            </a:ext>
+          </a:extLst>
+        </p:spPr>
+      </p:pic>
+    </p:spTree>
+    <p:extLst>
+      <p:ext uri="{BB962C8B-B14F-4D97-AF65-F5344CB8AC3E}">
+        <p14:creationId xmlns:p14="http://schemas.microsoft.com/office/powerpoint/2010/main" val="1756157144"/>
       </p:ext>
     </p:extLst>
   </p:cSld>
